--- a/ppt(合).pptx
+++ b/ppt(合).pptx
@@ -220,7 +220,7 @@
           <a:p>
             <a:fld id="{9AFCDB49-D9C8-450E-BE46-79698F24D5E8}" type="datetimeFigureOut">
               <a:rPr lang="zh-CN" altLang="en-US" smtClean="0"/>
-              <a:t>2019/3/30</a:t>
+              <a:t>2019/3/31</a:t>
             </a:fld>
             <a:endParaRPr lang="zh-CN" altLang="en-US"/>
           </a:p>
@@ -1291,7 +1291,7 @@
           <a:p>
             <a:fld id="{7BA0B183-0870-4423-89A3-1737EE52A100}" type="datetimeFigureOut">
               <a:rPr lang="zh-CN" altLang="en-US" smtClean="0"/>
-              <a:t>2019/3/30</a:t>
+              <a:t>2019/3/31</a:t>
             </a:fld>
             <a:endParaRPr lang="zh-CN" altLang="en-US"/>
           </a:p>
@@ -1489,7 +1489,7 @@
           <a:p>
             <a:fld id="{7BA0B183-0870-4423-89A3-1737EE52A100}" type="datetimeFigureOut">
               <a:rPr lang="zh-CN" altLang="en-US" smtClean="0"/>
-              <a:t>2019/3/30</a:t>
+              <a:t>2019/3/31</a:t>
             </a:fld>
             <a:endParaRPr lang="zh-CN" altLang="en-US"/>
           </a:p>
@@ -1697,7 +1697,7 @@
           <a:p>
             <a:fld id="{7BA0B183-0870-4423-89A3-1737EE52A100}" type="datetimeFigureOut">
               <a:rPr lang="zh-CN" altLang="en-US" smtClean="0"/>
-              <a:t>2019/3/30</a:t>
+              <a:t>2019/3/31</a:t>
             </a:fld>
             <a:endParaRPr lang="zh-CN" altLang="en-US"/>
           </a:p>
@@ -1895,7 +1895,7 @@
           <a:p>
             <a:fld id="{7BA0B183-0870-4423-89A3-1737EE52A100}" type="datetimeFigureOut">
               <a:rPr lang="zh-CN" altLang="en-US" smtClean="0"/>
-              <a:t>2019/3/30</a:t>
+              <a:t>2019/3/31</a:t>
             </a:fld>
             <a:endParaRPr lang="zh-CN" altLang="en-US"/>
           </a:p>
@@ -2170,7 +2170,7 @@
           <a:p>
             <a:fld id="{7BA0B183-0870-4423-89A3-1737EE52A100}" type="datetimeFigureOut">
               <a:rPr lang="zh-CN" altLang="en-US" smtClean="0"/>
-              <a:t>2019/3/30</a:t>
+              <a:t>2019/3/31</a:t>
             </a:fld>
             <a:endParaRPr lang="zh-CN" altLang="en-US"/>
           </a:p>
@@ -2435,7 +2435,7 @@
           <a:p>
             <a:fld id="{7BA0B183-0870-4423-89A3-1737EE52A100}" type="datetimeFigureOut">
               <a:rPr lang="zh-CN" altLang="en-US" smtClean="0"/>
-              <a:t>2019/3/30</a:t>
+              <a:t>2019/3/31</a:t>
             </a:fld>
             <a:endParaRPr lang="zh-CN" altLang="en-US"/>
           </a:p>
@@ -2847,7 +2847,7 @@
           <a:p>
             <a:fld id="{7BA0B183-0870-4423-89A3-1737EE52A100}" type="datetimeFigureOut">
               <a:rPr lang="zh-CN" altLang="en-US" smtClean="0"/>
-              <a:t>2019/3/30</a:t>
+              <a:t>2019/3/31</a:t>
             </a:fld>
             <a:endParaRPr lang="zh-CN" altLang="en-US"/>
           </a:p>
@@ -2988,7 +2988,7 @@
           <a:p>
             <a:fld id="{7BA0B183-0870-4423-89A3-1737EE52A100}" type="datetimeFigureOut">
               <a:rPr lang="zh-CN" altLang="en-US" smtClean="0"/>
-              <a:t>2019/3/30</a:t>
+              <a:t>2019/3/31</a:t>
             </a:fld>
             <a:endParaRPr lang="zh-CN" altLang="en-US"/>
           </a:p>
@@ -3101,7 +3101,7 @@
           <a:p>
             <a:fld id="{7BA0B183-0870-4423-89A3-1737EE52A100}" type="datetimeFigureOut">
               <a:rPr lang="zh-CN" altLang="en-US" smtClean="0"/>
-              <a:t>2019/3/30</a:t>
+              <a:t>2019/3/31</a:t>
             </a:fld>
             <a:endParaRPr lang="zh-CN" altLang="en-US"/>
           </a:p>
@@ -3412,7 +3412,7 @@
           <a:p>
             <a:fld id="{7BA0B183-0870-4423-89A3-1737EE52A100}" type="datetimeFigureOut">
               <a:rPr lang="zh-CN" altLang="en-US" smtClean="0"/>
-              <a:t>2019/3/30</a:t>
+              <a:t>2019/3/31</a:t>
             </a:fld>
             <a:endParaRPr lang="zh-CN" altLang="en-US"/>
           </a:p>
@@ -3700,7 +3700,7 @@
           <a:p>
             <a:fld id="{7BA0B183-0870-4423-89A3-1737EE52A100}" type="datetimeFigureOut">
               <a:rPr lang="zh-CN" altLang="en-US" smtClean="0"/>
-              <a:t>2019/3/30</a:t>
+              <a:t>2019/3/31</a:t>
             </a:fld>
             <a:endParaRPr lang="zh-CN" altLang="en-US"/>
           </a:p>
@@ -3941,7 +3941,7 @@
           <a:p>
             <a:fld id="{7BA0B183-0870-4423-89A3-1737EE52A100}" type="datetimeFigureOut">
               <a:rPr lang="zh-CN" altLang="en-US" smtClean="0"/>
-              <a:t>2019/3/30</a:t>
+              <a:t>2019/3/31</a:t>
             </a:fld>
             <a:endParaRPr lang="zh-CN" altLang="en-US"/>
           </a:p>
@@ -4590,7 +4590,7 @@
             <p:ph idx="1"/>
           </p:nvPr>
         </p:nvPicPr>
-        <p:blipFill>
+        <p:blipFill rotWithShape="1">
           <a:blip r:embed="rId2">
             <a:extLst>
               <a:ext uri="{28A0092B-C50C-407E-A947-70E740481C1C}">
@@ -4598,15 +4598,13 @@
               </a:ext>
             </a:extLst>
           </a:blip>
-          <a:srcRect/>
-          <a:stretch>
-            <a:fillRect/>
-          </a:stretch>
+          <a:srcRect r="4009"/>
+          <a:stretch/>
         </p:blipFill>
         <p:spPr bwMode="auto">
           <a:xfrm>
-            <a:off x="838200" y="1690688"/>
-            <a:ext cx="8583223" cy="1819529"/>
+            <a:off x="1976437" y="1455299"/>
+            <a:ext cx="8239125" cy="1819529"/>
           </a:xfrm>
           <a:prstGeom prst="rect">
             <a:avLst/>
@@ -4652,7 +4650,7 @@
         </p:blipFill>
         <p:spPr bwMode="auto">
           <a:xfrm>
-            <a:off x="838200" y="3510217"/>
+            <a:off x="1976437" y="3429000"/>
             <a:ext cx="8239125" cy="3209925"/>
           </a:xfrm>
           <a:prstGeom prst="rect">
@@ -4760,7 +4758,7 @@
         </p:blipFill>
         <p:spPr bwMode="auto">
           <a:xfrm>
-            <a:off x="600187" y="1638050"/>
+            <a:off x="822575" y="1493194"/>
             <a:ext cx="4448796" cy="3581900"/>
           </a:xfrm>
           <a:prstGeom prst="rect">
@@ -4807,7 +4805,7 @@
         </p:blipFill>
         <p:spPr bwMode="auto">
           <a:xfrm>
-            <a:off x="142987" y="5513451"/>
+            <a:off x="626298" y="5477237"/>
             <a:ext cx="6143625" cy="400050"/>
           </a:xfrm>
           <a:prstGeom prst="rect">
@@ -4852,7 +4850,7 @@
         </p:blipFill>
         <p:spPr bwMode="auto">
           <a:xfrm>
-            <a:off x="6510027" y="365125"/>
+            <a:off x="6736363" y="491873"/>
             <a:ext cx="5334112" cy="3971925"/>
           </a:xfrm>
           <a:prstGeom prst="rect">
@@ -4891,7 +4889,7 @@
         </p:blipFill>
         <p:spPr>
           <a:xfrm>
-            <a:off x="6667133" y="4570900"/>
+            <a:off x="6920630" y="4806824"/>
             <a:ext cx="4833205" cy="1514475"/>
           </a:xfrm>
           <a:prstGeom prst="rect">
@@ -4951,7 +4949,7 @@
           <a:lstStyle/>
           <a:p>
             <a:r>
-              <a:rPr lang="en-US" altLang="zh-CN" dirty="0" smtClean="0"/>
+              <a:rPr lang="en-US" altLang="zh-CN" dirty="0"/>
               <a:t>TagRoot: Trust Manager</a:t>
             </a:r>
             <a:endParaRPr lang="zh-CN" altLang="en-US" dirty="0"/>
@@ -4981,7 +4979,7 @@
           <a:lstStyle/>
           <a:p>
             <a:r>
-              <a:rPr lang="en-US" altLang="zh-CN" sz="3200" dirty="0" smtClean="0"/>
+              <a:rPr lang="en-US" altLang="zh-CN" sz="3200" dirty="0"/>
               <a:t>TagRoot</a:t>
             </a:r>
             <a:endParaRPr lang="zh-CN" altLang="en-US" sz="3200" dirty="0"/>
@@ -5058,7 +5056,7 @@
           <a:lstStyle/>
           <a:p>
             <a:r>
-              <a:rPr lang="en-US" altLang="zh-CN" sz="2400" dirty="0" smtClean="0"/>
+              <a:rPr lang="en-US" altLang="zh-CN" sz="2400" dirty="0"/>
               <a:t>Trusted OS Services</a:t>
             </a:r>
             <a:endParaRPr lang="zh-CN" altLang="en-US" sz="2400" dirty="0"/>
@@ -5088,7 +5086,7 @@
           <a:lstStyle/>
           <a:p>
             <a:r>
-              <a:rPr lang="en-US" altLang="zh-CN" sz="2400" dirty="0" smtClean="0"/>
+              <a:rPr lang="en-US" altLang="zh-CN" sz="2400" dirty="0"/>
               <a:t>Trusted Enclave Services</a:t>
             </a:r>
             <a:endParaRPr lang="zh-CN" altLang="en-US" sz="2400" dirty="0"/>
@@ -5175,13 +5173,6 @@
   <p:clrMapOvr>
     <a:masterClrMapping/>
   </p:clrMapOvr>
-  <p:timing>
-    <p:tnLst>
-      <p:par>
-        <p:cTn id="1" dur="indefinite" restart="never" nodeType="tmRoot"/>
-      </p:par>
-    </p:tnLst>
-  </p:timing>
 </p:sld>
 </file>
 
@@ -5223,7 +5214,7 @@
           <a:lstStyle/>
           <a:p>
             <a:r>
-              <a:rPr lang="en-US" altLang="zh-CN" dirty="0" smtClean="0"/>
+              <a:rPr lang="en-US" altLang="zh-CN" dirty="0"/>
               <a:t>Trusted OS Service</a:t>
             </a:r>
             <a:endParaRPr lang="zh-CN" altLang="en-US" dirty="0"/>
@@ -5251,16 +5242,12 @@
           <a:lstStyle/>
           <a:p>
             <a:r>
-              <a:rPr lang="en-US" altLang="zh-CN" dirty="0" smtClean="0"/>
+              <a:rPr lang="en-US" altLang="zh-CN" dirty="0"/>
               <a:t>Enclave </a:t>
             </a:r>
             <a:r>
-              <a:rPr lang="en-US" altLang="zh-CN" dirty="0" err="1" smtClean="0"/>
-              <a:t>Management</a:t>
-            </a:r>
-            <a:r>
               <a:rPr lang="en-US" altLang="zh-CN" dirty="0" err="1"/>
-              <a:t>In</a:t>
+              <a:t>ManagementIn</a:t>
             </a:r>
             <a:r>
               <a:rPr lang="en-US" altLang="zh-CN" dirty="0"/>
@@ -5269,12 +5256,12 @@
             <a:endParaRPr lang="zh-CN" altLang="en-US" dirty="0"/>
           </a:p>
           <a:p>
-            <a:endParaRPr lang="en-US" altLang="zh-CN" dirty="0" smtClean="0"/>
+            <a:endParaRPr lang="en-US" altLang="zh-CN" dirty="0"/>
           </a:p>
           <a:p>
             <a:pPr lvl="1"/>
             <a:r>
-              <a:rPr lang="en-US" altLang="zh-CN" dirty="0" smtClean="0"/>
+              <a:rPr lang="en-US" altLang="zh-CN" dirty="0"/>
               <a:t>Create: Enclave Control Block(ECB)</a:t>
             </a:r>
           </a:p>
@@ -5284,61 +5271,57 @@
             </a:pPr>
             <a:r>
               <a:rPr lang="en-US" altLang="zh-CN" dirty="0"/>
-              <a:t> </a:t>
-            </a:r>
-            <a:r>
-              <a:rPr lang="en-US" altLang="zh-CN" dirty="0" smtClean="0"/>
-              <a:t>	         create-enclave </a:t>
-            </a:r>
-            <a:r>
-              <a:rPr lang="en-US" altLang="zh-CN" dirty="0" smtClean="0">
+              <a:t> 	         create-enclave </a:t>
+            </a:r>
+            <a:r>
+              <a:rPr lang="en-US" altLang="zh-CN" dirty="0">
                 <a:sym typeface="Wingdings" panose="05000000000000000000" pitchFamily="2" charset="2"/>
               </a:rPr>
               <a:t> add-region  add-data  add-entries  </a:t>
             </a:r>
             <a:r>
-              <a:rPr lang="en-US" altLang="zh-CN" dirty="0" err="1" smtClean="0">
+              <a:rPr lang="en-US" altLang="zh-CN" dirty="0" err="1">
                 <a:sym typeface="Wingdings" panose="05000000000000000000" pitchFamily="2" charset="2"/>
               </a:rPr>
               <a:t>init</a:t>
             </a:r>
             <a:r>
-              <a:rPr lang="en-US" altLang="zh-CN" dirty="0" smtClean="0">
+              <a:rPr lang="en-US" altLang="zh-CN" dirty="0">
                 <a:sym typeface="Wingdings" panose="05000000000000000000" pitchFamily="2" charset="2"/>
               </a:rPr>
               <a:t> enclave</a:t>
             </a:r>
-            <a:endParaRPr lang="en-US" altLang="zh-CN" dirty="0" smtClean="0"/>
+            <a:endParaRPr lang="en-US" altLang="zh-CN" dirty="0"/>
           </a:p>
           <a:p>
             <a:pPr lvl="1"/>
             <a:r>
-              <a:rPr lang="en-US" altLang="zh-CN" dirty="0" smtClean="0"/>
+              <a:rPr lang="en-US" altLang="zh-CN" dirty="0"/>
               <a:t>Cleanup: destroy-enclave</a:t>
             </a:r>
           </a:p>
           <a:p>
             <a:pPr lvl="1"/>
             <a:r>
-              <a:rPr lang="en-US" altLang="zh-CN" dirty="0" smtClean="0"/>
+              <a:rPr lang="en-US" altLang="zh-CN" dirty="0"/>
               <a:t>Load: load to MPU slots </a:t>
             </a:r>
             <a:r>
-              <a:rPr lang="en-US" altLang="zh-CN" dirty="0" smtClean="0">
+              <a:rPr lang="en-US" altLang="zh-CN" dirty="0">
                 <a:sym typeface="Wingdings" panose="05000000000000000000" pitchFamily="2" charset="2"/>
               </a:rPr>
               <a:t> mark as runnable</a:t>
             </a:r>
-            <a:endParaRPr lang="en-US" altLang="zh-CN" dirty="0" smtClean="0"/>
+            <a:endParaRPr lang="en-US" altLang="zh-CN" dirty="0"/>
           </a:p>
           <a:p>
             <a:pPr lvl="1"/>
             <a:r>
-              <a:rPr lang="en-US" altLang="zh-CN" dirty="0" smtClean="0"/>
+              <a:rPr lang="en-US" altLang="zh-CN" dirty="0"/>
               <a:t>Interrupt: save context </a:t>
             </a:r>
             <a:r>
-              <a:rPr lang="en-US" altLang="zh-CN" dirty="0" smtClean="0">
+              <a:rPr lang="en-US" altLang="zh-CN" dirty="0">
                 <a:sym typeface="Wingdings" panose="05000000000000000000" pitchFamily="2" charset="2"/>
               </a:rPr>
               <a:t> clear up  resume</a:t>
@@ -5352,16 +5335,10 @@
               <a:rPr lang="en-US" altLang="zh-CN" dirty="0">
                 <a:sym typeface="Wingdings" panose="05000000000000000000" pitchFamily="2" charset="2"/>
               </a:rPr>
-              <a:t> </a:t>
-            </a:r>
-            <a:r>
-              <a:rPr lang="en-US" altLang="zh-CN" dirty="0" smtClean="0">
-                <a:sym typeface="Wingdings" panose="05000000000000000000" pitchFamily="2" charset="2"/>
-              </a:rPr>
-              <a:t>  </a:t>
-            </a:r>
-            <a:r>
-              <a:rPr lang="en-US" altLang="zh-CN" sz="2400" dirty="0" smtClean="0">
+              <a:t>   </a:t>
+            </a:r>
+            <a:r>
+              <a:rPr lang="en-US" altLang="zh-CN" sz="2400" dirty="0">
                 <a:sym typeface="Wingdings" panose="05000000000000000000" pitchFamily="2" charset="2"/>
               </a:rPr>
               <a:t>transparent</a:t>
@@ -5370,7 +5347,7 @@
           </a:p>
           <a:p>
             <a:r>
-              <a:rPr lang="en-US" altLang="zh-CN" dirty="0" smtClean="0"/>
+              <a:rPr lang="en-US" altLang="zh-CN" dirty="0"/>
               <a:t>Enclave Identity(EID)</a:t>
             </a:r>
           </a:p>
@@ -5379,19 +5356,19 @@
               <a:buNone/>
             </a:pPr>
             <a:r>
-              <a:rPr lang="en-US" altLang="zh-CN" dirty="0" smtClean="0"/>
+              <a:rPr lang="en-US" altLang="zh-CN" dirty="0"/>
               <a:t>Sequence of trusted OS services calls + their </a:t>
             </a:r>
             <a:r>
-              <a:rPr lang="en-US" altLang="zh-CN" dirty="0" err="1" smtClean="0"/>
+              <a:rPr lang="en-US" altLang="zh-CN" dirty="0" err="1"/>
               <a:t>parament</a:t>
             </a:r>
             <a:r>
-              <a:rPr lang="en-US" altLang="zh-CN" dirty="0" smtClean="0"/>
+              <a:rPr lang="en-US" altLang="zh-CN" dirty="0"/>
               <a:t> </a:t>
             </a:r>
             <a:r>
-              <a:rPr lang="en-US" altLang="zh-CN" dirty="0" smtClean="0">
+              <a:rPr lang="en-US" altLang="zh-CN" dirty="0">
                 <a:sym typeface="Wingdings" panose="05000000000000000000" pitchFamily="2" charset="2"/>
               </a:rPr>
               <a:t>-------&gt;  EID </a:t>
@@ -5423,7 +5400,7 @@
           <a:lstStyle/>
           <a:p>
             <a:r>
-              <a:rPr lang="en-US" altLang="zh-CN" dirty="0" smtClean="0"/>
+              <a:rPr lang="en-US" altLang="zh-CN" dirty="0"/>
               <a:t>SHA256</a:t>
             </a:r>
             <a:endParaRPr lang="zh-CN" altLang="en-US" dirty="0"/>
@@ -5453,7 +5430,7 @@
           <a:lstStyle/>
           <a:p>
             <a:r>
-              <a:rPr lang="en-US" altLang="zh-CN" sz="4400" dirty="0" smtClean="0">
+              <a:rPr lang="en-US" altLang="zh-CN" sz="4400" dirty="0">
                 <a:solidFill>
                   <a:schemeClr val="accent5">
                     <a:lumMod val="75000"/>
@@ -5642,7 +5619,7 @@
           <a:lstStyle/>
           <a:p>
             <a:r>
-              <a:rPr lang="en-US" altLang="zh-CN" dirty="0" smtClean="0"/>
+              <a:rPr lang="en-US" altLang="zh-CN" dirty="0"/>
               <a:t>Trusted Enclave Services</a:t>
             </a:r>
             <a:endParaRPr lang="zh-CN" altLang="en-US" dirty="0"/>
@@ -5669,14 +5646,14 @@
               <a:lstStyle/>
               <a:p>
                 <a:r>
-                  <a:rPr lang="en-US" altLang="zh-CN" dirty="0" smtClean="0"/>
+                  <a:rPr lang="en-US" altLang="zh-CN" dirty="0"/>
                   <a:t>Sealing and Remote Attestation</a:t>
                 </a:r>
               </a:p>
               <a:p>
                 <a:pPr lvl="1"/>
                 <a:r>
-                  <a:rPr lang="en-US" altLang="zh-CN" dirty="0" smtClean="0"/>
+                  <a:rPr lang="en-US" altLang="zh-CN" dirty="0"/>
                   <a:t>Call get-key</a:t>
                 </a:r>
               </a:p>
@@ -5804,7 +5781,7 @@
                     </m:d>
                   </m:oMath>
                 </a14:m>
-                <a:endParaRPr lang="en-US" altLang="zh-CN" b="0" dirty="0" smtClean="0"/>
+                <a:endParaRPr lang="en-US" altLang="zh-CN" b="0" dirty="0"/>
               </a:p>
               <a:p>
                 <a:pPr lvl="1"/>
@@ -5812,10 +5789,9 @@
               </a:p>
               <a:p>
                 <a:r>
-                  <a:rPr lang="en-US" altLang="zh-CN" dirty="0" smtClean="0"/>
+                  <a:rPr lang="en-US" altLang="zh-CN" dirty="0"/>
                   <a:t>Secure Shared Memory : Inter-Enclave Communication</a:t>
                 </a:r>
-                <a:endParaRPr lang="en-US" altLang="zh-CN" dirty="0"/>
               </a:p>
               <a:p>
                 <a:pPr lvl="1"/>
@@ -5831,11 +5807,11 @@
               <a:p>
                 <a:pPr lvl="1"/>
                 <a:r>
-                  <a:rPr lang="en-US" altLang="zh-CN" dirty="0" err="1" smtClean="0"/>
+                  <a:rPr lang="en-US" altLang="zh-CN" dirty="0" err="1"/>
                   <a:t>shm</a:t>
                 </a:r>
                 <a:r>
-                  <a:rPr lang="en-US" altLang="zh-CN" dirty="0" smtClean="0"/>
+                  <a:rPr lang="en-US" altLang="zh-CN" dirty="0"/>
                   <a:t>-accept</a:t>
                 </a:r>
               </a:p>
@@ -5847,12 +5823,12 @@
               </a:p>
               <a:p>
                 <a:r>
-                  <a:rPr lang="en-US" altLang="zh-CN" dirty="0" smtClean="0"/>
+                  <a:rPr lang="en-US" altLang="zh-CN" dirty="0"/>
                   <a:t>Local Attestation</a:t>
                 </a:r>
               </a:p>
               <a:p>
-                <a:endParaRPr lang="en-US" altLang="zh-CN" dirty="0" smtClean="0"/>
+                <a:endParaRPr lang="en-US" altLang="zh-CN" dirty="0"/>
               </a:p>
             </p:txBody>
           </p:sp>
@@ -5901,13 +5877,6 @@
   <p:clrMapOvr>
     <a:masterClrMapping/>
   </p:clrMapOvr>
-  <p:timing>
-    <p:tnLst>
-      <p:par>
-        <p:cTn id="1" dur="indefinite" restart="never" nodeType="tmRoot"/>
-      </p:par>
-    </p:tnLst>
-  </p:timing>
 </p:sld>
 </file>
 
@@ -5944,7 +5913,7 @@
           <a:lstStyle/>
           <a:p>
             <a:r>
-              <a:rPr lang="en-US" altLang="zh-CN" dirty="0" smtClean="0"/>
+              <a:rPr lang="en-US" altLang="zh-CN" dirty="0"/>
               <a:t>Security Analysis</a:t>
             </a:r>
             <a:endParaRPr lang="zh-CN" altLang="en-US" dirty="0"/>
@@ -5972,11 +5941,11 @@
               </a:lnSpc>
             </a:pPr>
             <a:r>
-              <a:rPr lang="en-US" altLang="zh-CN" dirty="0" smtClean="0"/>
+              <a:rPr lang="en-US" altLang="zh-CN" dirty="0"/>
               <a:t>OS manipulation during loading? </a:t>
             </a:r>
             <a:r>
-              <a:rPr lang="en-US" altLang="zh-CN" dirty="0" smtClean="0">
+              <a:rPr lang="en-US" altLang="zh-CN" dirty="0">
                 <a:sym typeface="Wingdings" panose="05000000000000000000" pitchFamily="2" charset="2"/>
               </a:rPr>
               <a:t> load-time attestation(EID)</a:t>
@@ -5989,7 +5958,7 @@
               </a:lnSpc>
             </a:pPr>
             <a:r>
-              <a:rPr lang="en-US" altLang="zh-CN" dirty="0" smtClean="0">
+              <a:rPr lang="en-US" altLang="zh-CN" dirty="0">
                 <a:sym typeface="Wingdings" panose="05000000000000000000" pitchFamily="2" charset="2"/>
               </a:rPr>
               <a:t>Interruption leakage?  secure interruption</a:t>
@@ -6002,7 +5971,7 @@
               </a:lnSpc>
             </a:pPr>
             <a:r>
-              <a:rPr lang="en-US" altLang="zh-CN" dirty="0" smtClean="0">
+              <a:rPr lang="en-US" altLang="zh-CN" dirty="0">
                 <a:sym typeface="Wingdings" panose="05000000000000000000" pitchFamily="2" charset="2"/>
               </a:rPr>
               <a:t>Shared memory misuse?  mutual authentication</a:t>
@@ -6015,13 +5984,13 @@
               </a:lnSpc>
             </a:pPr>
             <a:r>
-              <a:rPr lang="en-US" altLang="zh-CN" dirty="0" err="1" smtClean="0">
+              <a:rPr lang="en-US" altLang="zh-CN" dirty="0" err="1">
                 <a:sym typeface="Wingdings" panose="05000000000000000000" pitchFamily="2" charset="2"/>
               </a:rPr>
               <a:t>TagRoot’s</a:t>
             </a:r>
             <a:r>
-              <a:rPr lang="en-US" altLang="zh-CN" dirty="0" smtClean="0">
+              <a:rPr lang="en-US" altLang="zh-CN" dirty="0">
                 <a:sym typeface="Wingdings" panose="05000000000000000000" pitchFamily="2" charset="2"/>
               </a:rPr>
               <a:t> integrity?  isolation via TS-tag</a:t>
@@ -6040,13 +6009,6 @@
   <p:clrMapOvr>
     <a:masterClrMapping/>
   </p:clrMapOvr>
-  <p:timing>
-    <p:tnLst>
-      <p:par>
-        <p:cTn id="1" dur="indefinite" restart="never" nodeType="tmRoot"/>
-      </p:par>
-    </p:tnLst>
-  </p:timing>
 </p:sld>
 </file>
 
@@ -6083,7 +6045,7 @@
           <a:lstStyle/>
           <a:p>
             <a:r>
-              <a:rPr lang="en-US" altLang="zh-CN" dirty="0" smtClean="0"/>
+              <a:rPr lang="en-US" altLang="zh-CN" dirty="0"/>
               <a:t>Evaluation</a:t>
             </a:r>
             <a:endParaRPr lang="zh-CN" altLang="en-US" dirty="0"/>
@@ -6140,7 +6102,7 @@
               </a:lnSpc>
             </a:pPr>
             <a:r>
-              <a:rPr lang="en-US" altLang="zh-CN" dirty="0" smtClean="0"/>
+              <a:rPr lang="en-US" altLang="zh-CN" dirty="0"/>
               <a:t>Performance</a:t>
             </a:r>
           </a:p>
@@ -6151,7 +6113,7 @@
               </a:lnSpc>
             </a:pPr>
             <a:r>
-              <a:rPr lang="en-US" altLang="zh-CN" dirty="0" smtClean="0"/>
+              <a:rPr lang="en-US" altLang="zh-CN" dirty="0"/>
               <a:t>TagRoot code size</a:t>
             </a:r>
             <a:endParaRPr lang="zh-CN" altLang="en-US" dirty="0"/>
@@ -6168,13 +6130,6 @@
   <p:clrMapOvr>
     <a:masterClrMapping/>
   </p:clrMapOvr>
-  <p:timing>
-    <p:tnLst>
-      <p:par>
-        <p:cTn id="1" dur="indefinite" restart="never" nodeType="tmRoot"/>
-      </p:par>
-    </p:tnLst>
-  </p:timing>
 </p:sld>
 </file>
 

--- a/ppt(合).pptx
+++ b/ppt(合).pptx
@@ -5,7 +5,7 @@
     <p:sldMasterId id="2147483648" r:id="rId1"/>
   </p:sldMasterIdLst>
   <p:notesMasterIdLst>
-    <p:notesMasterId r:id="rId18"/>
+    <p:notesMasterId r:id="rId23"/>
   </p:notesMasterIdLst>
   <p:sldIdLst>
     <p:sldId id="256" r:id="rId2"/>
@@ -24,6 +24,11 @@
     <p:sldId id="269" r:id="rId15"/>
     <p:sldId id="270" r:id="rId16"/>
     <p:sldId id="271" r:id="rId17"/>
+    <p:sldId id="272" r:id="rId18"/>
+    <p:sldId id="273" r:id="rId19"/>
+    <p:sldId id="275" r:id="rId20"/>
+    <p:sldId id="274" r:id="rId21"/>
+    <p:sldId id="276" r:id="rId22"/>
   </p:sldIdLst>
   <p:sldSz cx="12192000" cy="6858000"/>
   <p:notesSz cx="6858000" cy="9144000"/>
@@ -220,7 +225,7 @@
           <a:p>
             <a:fld id="{9AFCDB49-D9C8-450E-BE46-79698F24D5E8}" type="datetimeFigureOut">
               <a:rPr lang="zh-CN" altLang="en-US" smtClean="0"/>
-              <a:t>2019/3/30</a:t>
+              <a:t>2019/3/31</a:t>
             </a:fld>
             <a:endParaRPr lang="zh-CN" altLang="en-US"/>
           </a:p>
@@ -1144,6 +1149,212 @@
 </p:notes>
 </file>
 
+<file path=ppt/notesSlides/notesSlide6.xml><?xml version="1.0" encoding="utf-8"?>
+<p:notes xmlns:a="http://schemas.openxmlformats.org/drawingml/2006/main" xmlns:r="http://schemas.openxmlformats.org/officeDocument/2006/relationships" xmlns:p="http://schemas.openxmlformats.org/presentationml/2006/main">
+  <p:cSld>
+    <p:spTree>
+      <p:nvGrpSpPr>
+        <p:cNvPr id="1" name=""/>
+        <p:cNvGrpSpPr/>
+        <p:nvPr/>
+      </p:nvGrpSpPr>
+      <p:grpSpPr>
+        <a:xfrm>
+          <a:off x="0" y="0"/>
+          <a:ext cx="0" cy="0"/>
+          <a:chOff x="0" y="0"/>
+          <a:chExt cx="0" cy="0"/>
+        </a:xfrm>
+      </p:grpSpPr>
+      <p:sp>
+        <p:nvSpPr>
+          <p:cNvPr id="2" name="幻灯片图像占位符 1"/>
+          <p:cNvSpPr>
+            <a:spLocks noGrp="1" noRot="1" noChangeAspect="1"/>
+          </p:cNvSpPr>
+          <p:nvPr>
+            <p:ph type="sldImg"/>
+          </p:nvPr>
+        </p:nvSpPr>
+        <p:spPr/>
+      </p:sp>
+      <p:sp>
+        <p:nvSpPr>
+          <p:cNvPr id="3" name="备注占位符 2"/>
+          <p:cNvSpPr>
+            <a:spLocks noGrp="1"/>
+          </p:cNvSpPr>
+          <p:nvPr>
+            <p:ph type="body" idx="1"/>
+          </p:nvPr>
+        </p:nvSpPr>
+        <p:spPr/>
+        <p:txBody>
+          <a:bodyPr/>
+          <a:lstStyle/>
+          <a:p>
+            <a:r>
+              <a:rPr lang="en-US" altLang="zh-CN" dirty="0" err="1"/>
+              <a:t>Alloc</a:t>
+            </a:r>
+            <a:r>
+              <a:rPr lang="en-US" altLang="zh-CN" dirty="0"/>
+              <a:t> &amp; Free:</a:t>
+            </a:r>
+          </a:p>
+          <a:p>
+            <a:r>
+              <a:rPr lang="en-US" altLang="zh-CN" dirty="0"/>
+              <a:t>Trusted code set tag</a:t>
+            </a:r>
+          </a:p>
+          <a:p>
+            <a:r>
+              <a:rPr lang="en-US" altLang="zh-CN" dirty="0"/>
+              <a:t>Untrusted code set memory</a:t>
+            </a:r>
+            <a:endParaRPr lang="zh-CN" altLang="en-US" dirty="0"/>
+          </a:p>
+        </p:txBody>
+      </p:sp>
+      <p:sp>
+        <p:nvSpPr>
+          <p:cNvPr id="4" name="灯片编号占位符 3"/>
+          <p:cNvSpPr>
+            <a:spLocks noGrp="1"/>
+          </p:cNvSpPr>
+          <p:nvPr>
+            <p:ph type="sldNum" sz="quarter" idx="5"/>
+          </p:nvPr>
+        </p:nvSpPr>
+        <p:spPr/>
+        <p:txBody>
+          <a:bodyPr/>
+          <a:lstStyle/>
+          <a:p>
+            <a:fld id="{75202468-E1DA-47C7-87D9-878A75E9BE11}" type="slidenum">
+              <a:rPr lang="zh-CN" altLang="en-US" smtClean="0"/>
+              <a:t>18</a:t>
+            </a:fld>
+            <a:endParaRPr lang="zh-CN" altLang="en-US"/>
+          </a:p>
+        </p:txBody>
+      </p:sp>
+    </p:spTree>
+    <p:extLst>
+      <p:ext uri="{BB962C8B-B14F-4D97-AF65-F5344CB8AC3E}">
+        <p14:creationId xmlns:p14="http://schemas.microsoft.com/office/powerpoint/2010/main" val="4243044254"/>
+      </p:ext>
+    </p:extLst>
+  </p:cSld>
+  <p:clrMapOvr>
+    <a:masterClrMapping/>
+  </p:clrMapOvr>
+</p:notes>
+</file>
+
+<file path=ppt/notesSlides/notesSlide7.xml><?xml version="1.0" encoding="utf-8"?>
+<p:notes xmlns:a="http://schemas.openxmlformats.org/drawingml/2006/main" xmlns:r="http://schemas.openxmlformats.org/officeDocument/2006/relationships" xmlns:p="http://schemas.openxmlformats.org/presentationml/2006/main">
+  <p:cSld>
+    <p:spTree>
+      <p:nvGrpSpPr>
+        <p:cNvPr id="1" name=""/>
+        <p:cNvGrpSpPr/>
+        <p:nvPr/>
+      </p:nvGrpSpPr>
+      <p:grpSpPr>
+        <a:xfrm>
+          <a:off x="0" y="0"/>
+          <a:ext cx="0" cy="0"/>
+          <a:chOff x="0" y="0"/>
+          <a:chExt cx="0" cy="0"/>
+        </a:xfrm>
+      </p:grpSpPr>
+      <p:sp>
+        <p:nvSpPr>
+          <p:cNvPr id="2" name="幻灯片图像占位符 1"/>
+          <p:cNvSpPr>
+            <a:spLocks noGrp="1" noRot="1" noChangeAspect="1"/>
+          </p:cNvSpPr>
+          <p:nvPr>
+            <p:ph type="sldImg"/>
+          </p:nvPr>
+        </p:nvSpPr>
+        <p:spPr/>
+      </p:sp>
+      <p:sp>
+        <p:nvSpPr>
+          <p:cNvPr id="3" name="备注占位符 2"/>
+          <p:cNvSpPr>
+            <a:spLocks noGrp="1"/>
+          </p:cNvSpPr>
+          <p:nvPr>
+            <p:ph type="body" idx="1"/>
+          </p:nvPr>
+        </p:nvSpPr>
+        <p:spPr/>
+        <p:txBody>
+          <a:bodyPr/>
+          <a:lstStyle/>
+          <a:p>
+            <a:r>
+              <a:rPr lang="zh-CN" altLang="en-US" dirty="0"/>
+              <a:t>避免覆盖信任的数据</a:t>
+            </a:r>
+            <a:endParaRPr lang="en-US" altLang="zh-CN" dirty="0"/>
+          </a:p>
+          <a:p>
+            <a:r>
+              <a:rPr lang="zh-CN" altLang="en-US" dirty="0"/>
+              <a:t>检查</a:t>
+            </a:r>
+            <a:r>
+              <a:rPr lang="en-US" altLang="zh-CN" dirty="0"/>
+              <a:t>SP</a:t>
+            </a:r>
+            <a:r>
+              <a:rPr lang="zh-CN" altLang="en-US" dirty="0"/>
+              <a:t>没有被恶意的控制</a:t>
+            </a:r>
+          </a:p>
+        </p:txBody>
+      </p:sp>
+      <p:sp>
+        <p:nvSpPr>
+          <p:cNvPr id="4" name="灯片编号占位符 3"/>
+          <p:cNvSpPr>
+            <a:spLocks noGrp="1"/>
+          </p:cNvSpPr>
+          <p:nvPr>
+            <p:ph type="sldNum" sz="quarter" idx="5"/>
+          </p:nvPr>
+        </p:nvSpPr>
+        <p:spPr/>
+        <p:txBody>
+          <a:bodyPr/>
+          <a:lstStyle/>
+          <a:p>
+            <a:fld id="{75202468-E1DA-47C7-87D9-878A75E9BE11}" type="slidenum">
+              <a:rPr lang="zh-CN" altLang="en-US" smtClean="0"/>
+              <a:t>21</a:t>
+            </a:fld>
+            <a:endParaRPr lang="zh-CN" altLang="en-US"/>
+          </a:p>
+        </p:txBody>
+      </p:sp>
+    </p:spTree>
+    <p:extLst>
+      <p:ext uri="{BB962C8B-B14F-4D97-AF65-F5344CB8AC3E}">
+        <p14:creationId xmlns:p14="http://schemas.microsoft.com/office/powerpoint/2010/main" val="884416674"/>
+      </p:ext>
+    </p:extLst>
+  </p:cSld>
+  <p:clrMapOvr>
+    <a:masterClrMapping/>
+  </p:clrMapOvr>
+</p:notes>
+</file>
+
 <file path=ppt/slideLayouts/slideLayout1.xml><?xml version="1.0" encoding="utf-8"?>
 <p:sldLayout xmlns:a="http://schemas.openxmlformats.org/drawingml/2006/main" xmlns:r="http://schemas.openxmlformats.org/officeDocument/2006/relationships" xmlns:p="http://schemas.openxmlformats.org/presentationml/2006/main" type="title" preserve="1">
   <p:cSld name="标题幻灯片">
@@ -1291,7 +1502,7 @@
           <a:p>
             <a:fld id="{7BA0B183-0870-4423-89A3-1737EE52A100}" type="datetimeFigureOut">
               <a:rPr lang="zh-CN" altLang="en-US" smtClean="0"/>
-              <a:t>2019/3/30</a:t>
+              <a:t>2019/3/31</a:t>
             </a:fld>
             <a:endParaRPr lang="zh-CN" altLang="en-US"/>
           </a:p>
@@ -1489,7 +1700,7 @@
           <a:p>
             <a:fld id="{7BA0B183-0870-4423-89A3-1737EE52A100}" type="datetimeFigureOut">
               <a:rPr lang="zh-CN" altLang="en-US" smtClean="0"/>
-              <a:t>2019/3/30</a:t>
+              <a:t>2019/3/31</a:t>
             </a:fld>
             <a:endParaRPr lang="zh-CN" altLang="en-US"/>
           </a:p>
@@ -1697,7 +1908,7 @@
           <a:p>
             <a:fld id="{7BA0B183-0870-4423-89A3-1737EE52A100}" type="datetimeFigureOut">
               <a:rPr lang="zh-CN" altLang="en-US" smtClean="0"/>
-              <a:t>2019/3/30</a:t>
+              <a:t>2019/3/31</a:t>
             </a:fld>
             <a:endParaRPr lang="zh-CN" altLang="en-US"/>
           </a:p>
@@ -1895,7 +2106,7 @@
           <a:p>
             <a:fld id="{7BA0B183-0870-4423-89A3-1737EE52A100}" type="datetimeFigureOut">
               <a:rPr lang="zh-CN" altLang="en-US" smtClean="0"/>
-              <a:t>2019/3/30</a:t>
+              <a:t>2019/3/31</a:t>
             </a:fld>
             <a:endParaRPr lang="zh-CN" altLang="en-US"/>
           </a:p>
@@ -2170,7 +2381,7 @@
           <a:p>
             <a:fld id="{7BA0B183-0870-4423-89A3-1737EE52A100}" type="datetimeFigureOut">
               <a:rPr lang="zh-CN" altLang="en-US" smtClean="0"/>
-              <a:t>2019/3/30</a:t>
+              <a:t>2019/3/31</a:t>
             </a:fld>
             <a:endParaRPr lang="zh-CN" altLang="en-US"/>
           </a:p>
@@ -2435,7 +2646,7 @@
           <a:p>
             <a:fld id="{7BA0B183-0870-4423-89A3-1737EE52A100}" type="datetimeFigureOut">
               <a:rPr lang="zh-CN" altLang="en-US" smtClean="0"/>
-              <a:t>2019/3/30</a:t>
+              <a:t>2019/3/31</a:t>
             </a:fld>
             <a:endParaRPr lang="zh-CN" altLang="en-US"/>
           </a:p>
@@ -2847,7 +3058,7 @@
           <a:p>
             <a:fld id="{7BA0B183-0870-4423-89A3-1737EE52A100}" type="datetimeFigureOut">
               <a:rPr lang="zh-CN" altLang="en-US" smtClean="0"/>
-              <a:t>2019/3/30</a:t>
+              <a:t>2019/3/31</a:t>
             </a:fld>
             <a:endParaRPr lang="zh-CN" altLang="en-US"/>
           </a:p>
@@ -2988,7 +3199,7 @@
           <a:p>
             <a:fld id="{7BA0B183-0870-4423-89A3-1737EE52A100}" type="datetimeFigureOut">
               <a:rPr lang="zh-CN" altLang="en-US" smtClean="0"/>
-              <a:t>2019/3/30</a:t>
+              <a:t>2019/3/31</a:t>
             </a:fld>
             <a:endParaRPr lang="zh-CN" altLang="en-US"/>
           </a:p>
@@ -3101,7 +3312,7 @@
           <a:p>
             <a:fld id="{7BA0B183-0870-4423-89A3-1737EE52A100}" type="datetimeFigureOut">
               <a:rPr lang="zh-CN" altLang="en-US" smtClean="0"/>
-              <a:t>2019/3/30</a:t>
+              <a:t>2019/3/31</a:t>
             </a:fld>
             <a:endParaRPr lang="zh-CN" altLang="en-US"/>
           </a:p>
@@ -3412,7 +3623,7 @@
           <a:p>
             <a:fld id="{7BA0B183-0870-4423-89A3-1737EE52A100}" type="datetimeFigureOut">
               <a:rPr lang="zh-CN" altLang="en-US" smtClean="0"/>
-              <a:t>2019/3/30</a:t>
+              <a:t>2019/3/31</a:t>
             </a:fld>
             <a:endParaRPr lang="zh-CN" altLang="en-US"/>
           </a:p>
@@ -3700,7 +3911,7 @@
           <a:p>
             <a:fld id="{7BA0B183-0870-4423-89A3-1737EE52A100}" type="datetimeFigureOut">
               <a:rPr lang="zh-CN" altLang="en-US" smtClean="0"/>
-              <a:t>2019/3/30</a:t>
+              <a:t>2019/3/31</a:t>
             </a:fld>
             <a:endParaRPr lang="zh-CN" altLang="en-US"/>
           </a:p>
@@ -3941,7 +4152,7 @@
           <a:p>
             <a:fld id="{7BA0B183-0870-4423-89A3-1737EE52A100}" type="datetimeFigureOut">
               <a:rPr lang="zh-CN" altLang="en-US" smtClean="0"/>
-              <a:t>2019/3/30</a:t>
+              <a:t>2019/3/31</a:t>
             </a:fld>
             <a:endParaRPr lang="zh-CN" altLang="en-US"/>
           </a:p>
@@ -4951,7 +5162,7 @@
           <a:lstStyle/>
           <a:p>
             <a:r>
-              <a:rPr lang="en-US" altLang="zh-CN" dirty="0" smtClean="0"/>
+              <a:rPr lang="en-US" altLang="zh-CN" dirty="0"/>
               <a:t>TagRoot: Trust Manager</a:t>
             </a:r>
             <a:endParaRPr lang="zh-CN" altLang="en-US" dirty="0"/>
@@ -4981,7 +5192,7 @@
           <a:lstStyle/>
           <a:p>
             <a:r>
-              <a:rPr lang="en-US" altLang="zh-CN" sz="3200" dirty="0" smtClean="0"/>
+              <a:rPr lang="en-US" altLang="zh-CN" sz="3200" dirty="0"/>
               <a:t>TagRoot</a:t>
             </a:r>
             <a:endParaRPr lang="zh-CN" altLang="en-US" sz="3200" dirty="0"/>
@@ -5058,7 +5269,7 @@
           <a:lstStyle/>
           <a:p>
             <a:r>
-              <a:rPr lang="en-US" altLang="zh-CN" sz="2400" dirty="0" smtClean="0"/>
+              <a:rPr lang="en-US" altLang="zh-CN" sz="2400" dirty="0"/>
               <a:t>Trusted OS Services</a:t>
             </a:r>
             <a:endParaRPr lang="zh-CN" altLang="en-US" sz="2400" dirty="0"/>
@@ -5088,7 +5299,7 @@
           <a:lstStyle/>
           <a:p>
             <a:r>
-              <a:rPr lang="en-US" altLang="zh-CN" sz="2400" dirty="0" smtClean="0"/>
+              <a:rPr lang="en-US" altLang="zh-CN" sz="2400" dirty="0"/>
               <a:t>Trusted Enclave Services</a:t>
             </a:r>
             <a:endParaRPr lang="zh-CN" altLang="en-US" sz="2400" dirty="0"/>
@@ -5175,13 +5386,6 @@
   <p:clrMapOvr>
     <a:masterClrMapping/>
   </p:clrMapOvr>
-  <p:timing>
-    <p:tnLst>
-      <p:par>
-        <p:cTn id="1" dur="indefinite" restart="never" nodeType="tmRoot"/>
-      </p:par>
-    </p:tnLst>
-  </p:timing>
 </p:sld>
 </file>
 
@@ -5223,7 +5427,7 @@
           <a:lstStyle/>
           <a:p>
             <a:r>
-              <a:rPr lang="en-US" altLang="zh-CN" dirty="0" smtClean="0"/>
+              <a:rPr lang="en-US" altLang="zh-CN" dirty="0"/>
               <a:t>Trusted OS Service</a:t>
             </a:r>
             <a:endParaRPr lang="zh-CN" altLang="en-US" dirty="0"/>
@@ -5251,16 +5455,12 @@
           <a:lstStyle/>
           <a:p>
             <a:r>
-              <a:rPr lang="en-US" altLang="zh-CN" dirty="0" smtClean="0"/>
+              <a:rPr lang="en-US" altLang="zh-CN" dirty="0"/>
               <a:t>Enclave </a:t>
             </a:r>
             <a:r>
-              <a:rPr lang="en-US" altLang="zh-CN" dirty="0" err="1" smtClean="0"/>
-              <a:t>Management</a:t>
-            </a:r>
-            <a:r>
               <a:rPr lang="en-US" altLang="zh-CN" dirty="0" err="1"/>
-              <a:t>In</a:t>
+              <a:t>ManagementIn</a:t>
             </a:r>
             <a:r>
               <a:rPr lang="en-US" altLang="zh-CN" dirty="0"/>
@@ -5269,12 +5469,12 @@
             <a:endParaRPr lang="zh-CN" altLang="en-US" dirty="0"/>
           </a:p>
           <a:p>
-            <a:endParaRPr lang="en-US" altLang="zh-CN" dirty="0" smtClean="0"/>
+            <a:endParaRPr lang="en-US" altLang="zh-CN" dirty="0"/>
           </a:p>
           <a:p>
             <a:pPr lvl="1"/>
             <a:r>
-              <a:rPr lang="en-US" altLang="zh-CN" dirty="0" smtClean="0"/>
+              <a:rPr lang="en-US" altLang="zh-CN" dirty="0"/>
               <a:t>Create: Enclave Control Block(ECB)</a:t>
             </a:r>
           </a:p>
@@ -5284,61 +5484,57 @@
             </a:pPr>
             <a:r>
               <a:rPr lang="en-US" altLang="zh-CN" dirty="0"/>
-              <a:t> </a:t>
-            </a:r>
-            <a:r>
-              <a:rPr lang="en-US" altLang="zh-CN" dirty="0" smtClean="0"/>
-              <a:t>	         create-enclave </a:t>
-            </a:r>
-            <a:r>
-              <a:rPr lang="en-US" altLang="zh-CN" dirty="0" smtClean="0">
+              <a:t> 	         create-enclave </a:t>
+            </a:r>
+            <a:r>
+              <a:rPr lang="en-US" altLang="zh-CN" dirty="0">
                 <a:sym typeface="Wingdings" panose="05000000000000000000" pitchFamily="2" charset="2"/>
               </a:rPr>
               <a:t> add-region  add-data  add-entries  </a:t>
             </a:r>
             <a:r>
-              <a:rPr lang="en-US" altLang="zh-CN" dirty="0" err="1" smtClean="0">
+              <a:rPr lang="en-US" altLang="zh-CN" dirty="0" err="1">
                 <a:sym typeface="Wingdings" panose="05000000000000000000" pitchFamily="2" charset="2"/>
               </a:rPr>
               <a:t>init</a:t>
             </a:r>
             <a:r>
-              <a:rPr lang="en-US" altLang="zh-CN" dirty="0" smtClean="0">
+              <a:rPr lang="en-US" altLang="zh-CN" dirty="0">
                 <a:sym typeface="Wingdings" panose="05000000000000000000" pitchFamily="2" charset="2"/>
               </a:rPr>
               <a:t> enclave</a:t>
             </a:r>
-            <a:endParaRPr lang="en-US" altLang="zh-CN" dirty="0" smtClean="0"/>
+            <a:endParaRPr lang="en-US" altLang="zh-CN" dirty="0"/>
           </a:p>
           <a:p>
             <a:pPr lvl="1"/>
             <a:r>
-              <a:rPr lang="en-US" altLang="zh-CN" dirty="0" smtClean="0"/>
+              <a:rPr lang="en-US" altLang="zh-CN" dirty="0"/>
               <a:t>Cleanup: destroy-enclave</a:t>
             </a:r>
           </a:p>
           <a:p>
             <a:pPr lvl="1"/>
             <a:r>
-              <a:rPr lang="en-US" altLang="zh-CN" dirty="0" smtClean="0"/>
+              <a:rPr lang="en-US" altLang="zh-CN" dirty="0"/>
               <a:t>Load: load to MPU slots </a:t>
             </a:r>
             <a:r>
-              <a:rPr lang="en-US" altLang="zh-CN" dirty="0" smtClean="0">
+              <a:rPr lang="en-US" altLang="zh-CN" dirty="0">
                 <a:sym typeface="Wingdings" panose="05000000000000000000" pitchFamily="2" charset="2"/>
               </a:rPr>
               <a:t> mark as runnable</a:t>
             </a:r>
-            <a:endParaRPr lang="en-US" altLang="zh-CN" dirty="0" smtClean="0"/>
+            <a:endParaRPr lang="en-US" altLang="zh-CN" dirty="0"/>
           </a:p>
           <a:p>
             <a:pPr lvl="1"/>
             <a:r>
-              <a:rPr lang="en-US" altLang="zh-CN" dirty="0" smtClean="0"/>
+              <a:rPr lang="en-US" altLang="zh-CN" dirty="0"/>
               <a:t>Interrupt: save context </a:t>
             </a:r>
             <a:r>
-              <a:rPr lang="en-US" altLang="zh-CN" dirty="0" smtClean="0">
+              <a:rPr lang="en-US" altLang="zh-CN" dirty="0">
                 <a:sym typeface="Wingdings" panose="05000000000000000000" pitchFamily="2" charset="2"/>
               </a:rPr>
               <a:t> clear up  resume</a:t>
@@ -5352,16 +5548,10 @@
               <a:rPr lang="en-US" altLang="zh-CN" dirty="0">
                 <a:sym typeface="Wingdings" panose="05000000000000000000" pitchFamily="2" charset="2"/>
               </a:rPr>
-              <a:t> </a:t>
-            </a:r>
-            <a:r>
-              <a:rPr lang="en-US" altLang="zh-CN" dirty="0" smtClean="0">
-                <a:sym typeface="Wingdings" panose="05000000000000000000" pitchFamily="2" charset="2"/>
-              </a:rPr>
-              <a:t>  </a:t>
-            </a:r>
-            <a:r>
-              <a:rPr lang="en-US" altLang="zh-CN" sz="2400" dirty="0" smtClean="0">
+              <a:t>   </a:t>
+            </a:r>
+            <a:r>
+              <a:rPr lang="en-US" altLang="zh-CN" sz="2400" dirty="0">
                 <a:sym typeface="Wingdings" panose="05000000000000000000" pitchFamily="2" charset="2"/>
               </a:rPr>
               <a:t>transparent</a:t>
@@ -5370,7 +5560,7 @@
           </a:p>
           <a:p>
             <a:r>
-              <a:rPr lang="en-US" altLang="zh-CN" dirty="0" smtClean="0"/>
+              <a:rPr lang="en-US" altLang="zh-CN" dirty="0"/>
               <a:t>Enclave Identity(EID)</a:t>
             </a:r>
           </a:p>
@@ -5379,19 +5569,19 @@
               <a:buNone/>
             </a:pPr>
             <a:r>
-              <a:rPr lang="en-US" altLang="zh-CN" dirty="0" smtClean="0"/>
+              <a:rPr lang="en-US" altLang="zh-CN" dirty="0"/>
               <a:t>Sequence of trusted OS services calls + their </a:t>
             </a:r>
             <a:r>
-              <a:rPr lang="en-US" altLang="zh-CN" dirty="0" err="1" smtClean="0"/>
+              <a:rPr lang="en-US" altLang="zh-CN" dirty="0" err="1"/>
               <a:t>parament</a:t>
             </a:r>
             <a:r>
-              <a:rPr lang="en-US" altLang="zh-CN" dirty="0" smtClean="0"/>
+              <a:rPr lang="en-US" altLang="zh-CN" dirty="0"/>
               <a:t> </a:t>
             </a:r>
             <a:r>
-              <a:rPr lang="en-US" altLang="zh-CN" dirty="0" smtClean="0">
+              <a:rPr lang="en-US" altLang="zh-CN" dirty="0">
                 <a:sym typeface="Wingdings" panose="05000000000000000000" pitchFamily="2" charset="2"/>
               </a:rPr>
               <a:t>-------&gt;  EID </a:t>
@@ -5423,7 +5613,7 @@
           <a:lstStyle/>
           <a:p>
             <a:r>
-              <a:rPr lang="en-US" altLang="zh-CN" dirty="0" smtClean="0"/>
+              <a:rPr lang="en-US" altLang="zh-CN" dirty="0"/>
               <a:t>SHA256</a:t>
             </a:r>
             <a:endParaRPr lang="zh-CN" altLang="en-US" dirty="0"/>
@@ -5453,7 +5643,7 @@
           <a:lstStyle/>
           <a:p>
             <a:r>
-              <a:rPr lang="en-US" altLang="zh-CN" sz="4400" dirty="0" smtClean="0">
+              <a:rPr lang="en-US" altLang="zh-CN" sz="4400" dirty="0">
                 <a:solidFill>
                   <a:schemeClr val="accent5">
                     <a:lumMod val="75000"/>
@@ -5642,7 +5832,7 @@
           <a:lstStyle/>
           <a:p>
             <a:r>
-              <a:rPr lang="en-US" altLang="zh-CN" dirty="0" smtClean="0"/>
+              <a:rPr lang="en-US" altLang="zh-CN" dirty="0"/>
               <a:t>Trusted Enclave Services</a:t>
             </a:r>
             <a:endParaRPr lang="zh-CN" altLang="en-US" dirty="0"/>
@@ -5669,14 +5859,14 @@
               <a:lstStyle/>
               <a:p>
                 <a:r>
-                  <a:rPr lang="en-US" altLang="zh-CN" dirty="0" smtClean="0"/>
+                  <a:rPr lang="en-US" altLang="zh-CN" dirty="0"/>
                   <a:t>Sealing and Remote Attestation</a:t>
                 </a:r>
               </a:p>
               <a:p>
                 <a:pPr lvl="1"/>
                 <a:r>
-                  <a:rPr lang="en-US" altLang="zh-CN" dirty="0" smtClean="0"/>
+                  <a:rPr lang="en-US" altLang="zh-CN" dirty="0"/>
                   <a:t>Call get-key</a:t>
                 </a:r>
               </a:p>
@@ -5804,7 +5994,7 @@
                     </m:d>
                   </m:oMath>
                 </a14:m>
-                <a:endParaRPr lang="en-US" altLang="zh-CN" b="0" dirty="0" smtClean="0"/>
+                <a:endParaRPr lang="en-US" altLang="zh-CN" b="0" dirty="0"/>
               </a:p>
               <a:p>
                 <a:pPr lvl="1"/>
@@ -5812,10 +6002,9 @@
               </a:p>
               <a:p>
                 <a:r>
-                  <a:rPr lang="en-US" altLang="zh-CN" dirty="0" smtClean="0"/>
+                  <a:rPr lang="en-US" altLang="zh-CN" dirty="0"/>
                   <a:t>Secure Shared Memory : Inter-Enclave Communication</a:t>
                 </a:r>
-                <a:endParaRPr lang="en-US" altLang="zh-CN" dirty="0"/>
               </a:p>
               <a:p>
                 <a:pPr lvl="1"/>
@@ -5831,11 +6020,11 @@
               <a:p>
                 <a:pPr lvl="1"/>
                 <a:r>
-                  <a:rPr lang="en-US" altLang="zh-CN" dirty="0" err="1" smtClean="0"/>
+                  <a:rPr lang="en-US" altLang="zh-CN" dirty="0" err="1"/>
                   <a:t>shm</a:t>
                 </a:r>
                 <a:r>
-                  <a:rPr lang="en-US" altLang="zh-CN" dirty="0" smtClean="0"/>
+                  <a:rPr lang="en-US" altLang="zh-CN" dirty="0"/>
                   <a:t>-accept</a:t>
                 </a:r>
               </a:p>
@@ -5847,12 +6036,12 @@
               </a:p>
               <a:p>
                 <a:r>
-                  <a:rPr lang="en-US" altLang="zh-CN" dirty="0" smtClean="0"/>
+                  <a:rPr lang="en-US" altLang="zh-CN" dirty="0"/>
                   <a:t>Local Attestation</a:t>
                 </a:r>
               </a:p>
               <a:p>
-                <a:endParaRPr lang="en-US" altLang="zh-CN" dirty="0" smtClean="0"/>
+                <a:endParaRPr lang="en-US" altLang="zh-CN" dirty="0"/>
               </a:p>
             </p:txBody>
           </p:sp>
@@ -5901,13 +6090,6 @@
   <p:clrMapOvr>
     <a:masterClrMapping/>
   </p:clrMapOvr>
-  <p:timing>
-    <p:tnLst>
-      <p:par>
-        <p:cTn id="1" dur="indefinite" restart="never" nodeType="tmRoot"/>
-      </p:par>
-    </p:tnLst>
-  </p:timing>
 </p:sld>
 </file>
 
@@ -5944,7 +6126,7 @@
           <a:lstStyle/>
           <a:p>
             <a:r>
-              <a:rPr lang="en-US" altLang="zh-CN" dirty="0" smtClean="0"/>
+              <a:rPr lang="en-US" altLang="zh-CN" dirty="0"/>
               <a:t>Security Analysis</a:t>
             </a:r>
             <a:endParaRPr lang="zh-CN" altLang="en-US" dirty="0"/>
@@ -5972,11 +6154,11 @@
               </a:lnSpc>
             </a:pPr>
             <a:r>
-              <a:rPr lang="en-US" altLang="zh-CN" dirty="0" smtClean="0"/>
+              <a:rPr lang="en-US" altLang="zh-CN" dirty="0"/>
               <a:t>OS manipulation during loading? </a:t>
             </a:r>
             <a:r>
-              <a:rPr lang="en-US" altLang="zh-CN" dirty="0" smtClean="0">
+              <a:rPr lang="en-US" altLang="zh-CN" dirty="0">
                 <a:sym typeface="Wingdings" panose="05000000000000000000" pitchFamily="2" charset="2"/>
               </a:rPr>
               <a:t> load-time attestation(EID)</a:t>
@@ -5989,7 +6171,7 @@
               </a:lnSpc>
             </a:pPr>
             <a:r>
-              <a:rPr lang="en-US" altLang="zh-CN" dirty="0" smtClean="0">
+              <a:rPr lang="en-US" altLang="zh-CN" dirty="0">
                 <a:sym typeface="Wingdings" panose="05000000000000000000" pitchFamily="2" charset="2"/>
               </a:rPr>
               <a:t>Interruption leakage?  secure interruption</a:t>
@@ -6002,7 +6184,7 @@
               </a:lnSpc>
             </a:pPr>
             <a:r>
-              <a:rPr lang="en-US" altLang="zh-CN" dirty="0" smtClean="0">
+              <a:rPr lang="en-US" altLang="zh-CN" dirty="0">
                 <a:sym typeface="Wingdings" panose="05000000000000000000" pitchFamily="2" charset="2"/>
               </a:rPr>
               <a:t>Shared memory misuse?  mutual authentication</a:t>
@@ -6015,13 +6197,13 @@
               </a:lnSpc>
             </a:pPr>
             <a:r>
-              <a:rPr lang="en-US" altLang="zh-CN" dirty="0" err="1" smtClean="0">
+              <a:rPr lang="en-US" altLang="zh-CN" dirty="0" err="1">
                 <a:sym typeface="Wingdings" panose="05000000000000000000" pitchFamily="2" charset="2"/>
               </a:rPr>
               <a:t>TagRoot’s</a:t>
             </a:r>
             <a:r>
-              <a:rPr lang="en-US" altLang="zh-CN" dirty="0" smtClean="0">
+              <a:rPr lang="en-US" altLang="zh-CN" dirty="0">
                 <a:sym typeface="Wingdings" panose="05000000000000000000" pitchFamily="2" charset="2"/>
               </a:rPr>
               <a:t> integrity?  isolation via TS-tag</a:t>
@@ -6040,13 +6222,6 @@
   <p:clrMapOvr>
     <a:masterClrMapping/>
   </p:clrMapOvr>
-  <p:timing>
-    <p:tnLst>
-      <p:par>
-        <p:cTn id="1" dur="indefinite" restart="never" nodeType="tmRoot"/>
-      </p:par>
-    </p:tnLst>
-  </p:timing>
 </p:sld>
 </file>
 
@@ -6083,7 +6258,7 @@
           <a:lstStyle/>
           <a:p>
             <a:r>
-              <a:rPr lang="en-US" altLang="zh-CN" dirty="0" smtClean="0"/>
+              <a:rPr lang="en-US" altLang="zh-CN" dirty="0"/>
               <a:t>Evaluation</a:t>
             </a:r>
             <a:endParaRPr lang="zh-CN" altLang="en-US" dirty="0"/>
@@ -6140,7 +6315,7 @@
               </a:lnSpc>
             </a:pPr>
             <a:r>
-              <a:rPr lang="en-US" altLang="zh-CN" dirty="0" smtClean="0"/>
+              <a:rPr lang="en-US" altLang="zh-CN" dirty="0"/>
               <a:t>Performance</a:t>
             </a:r>
           </a:p>
@@ -6151,7 +6326,7 @@
               </a:lnSpc>
             </a:pPr>
             <a:r>
-              <a:rPr lang="en-US" altLang="zh-CN" dirty="0" smtClean="0"/>
+              <a:rPr lang="en-US" altLang="zh-CN" dirty="0"/>
               <a:t>TagRoot code size</a:t>
             </a:r>
             <a:endParaRPr lang="zh-CN" altLang="en-US" dirty="0"/>
@@ -6168,13 +6343,387 @@
   <p:clrMapOvr>
     <a:masterClrMapping/>
   </p:clrMapOvr>
-  <p:timing>
-    <p:tnLst>
-      <p:par>
-        <p:cTn id="1" dur="indefinite" restart="never" nodeType="tmRoot"/>
-      </p:par>
-    </p:tnLst>
-  </p:timing>
+</p:sld>
+</file>
+
+<file path=ppt/slides/slide17.xml><?xml version="1.0" encoding="utf-8"?>
+<p:sld xmlns:a="http://schemas.openxmlformats.org/drawingml/2006/main" xmlns:r="http://schemas.openxmlformats.org/officeDocument/2006/relationships" xmlns:p="http://schemas.openxmlformats.org/presentationml/2006/main">
+  <p:cSld>
+    <p:spTree>
+      <p:nvGrpSpPr>
+        <p:cNvPr id="1" name=""/>
+        <p:cNvGrpSpPr/>
+        <p:nvPr/>
+      </p:nvGrpSpPr>
+      <p:grpSpPr>
+        <a:xfrm>
+          <a:off x="0" y="0"/>
+          <a:ext cx="0" cy="0"/>
+          <a:chOff x="0" y="0"/>
+          <a:chExt cx="0" cy="0"/>
+        </a:xfrm>
+      </p:grpSpPr>
+      <p:sp>
+        <p:nvSpPr>
+          <p:cNvPr id="2" name="标题 1">
+            <a:extLst>
+              <a:ext uri="{FF2B5EF4-FFF2-40B4-BE49-F238E27FC236}">
+                <a16:creationId xmlns:a16="http://schemas.microsoft.com/office/drawing/2014/main" id="{71BE26F0-CA3D-485F-8172-65BE32FDA637}"/>
+              </a:ext>
+            </a:extLst>
+          </p:cNvPr>
+          <p:cNvSpPr>
+            <a:spLocks noGrp="1"/>
+          </p:cNvSpPr>
+          <p:nvPr>
+            <p:ph type="title"/>
+          </p:nvPr>
+        </p:nvSpPr>
+        <p:spPr/>
+        <p:txBody>
+          <a:bodyPr/>
+          <a:lstStyle/>
+          <a:p>
+            <a:r>
+              <a:rPr lang="en-US" altLang="zh-CN" dirty="0"/>
+              <a:t>Dynamic Memory Management</a:t>
+            </a:r>
+            <a:endParaRPr lang="zh-CN" altLang="en-US" dirty="0"/>
+          </a:p>
+        </p:txBody>
+      </p:sp>
+      <p:sp>
+        <p:nvSpPr>
+          <p:cNvPr id="3" name="内容占位符 2">
+            <a:extLst>
+              <a:ext uri="{FF2B5EF4-FFF2-40B4-BE49-F238E27FC236}">
+                <a16:creationId xmlns:a16="http://schemas.microsoft.com/office/drawing/2014/main" id="{BA35D7B9-250E-4DCB-91D4-837A7AB1D75B}"/>
+              </a:ext>
+            </a:extLst>
+          </p:cNvPr>
+          <p:cNvSpPr>
+            <a:spLocks noGrp="1"/>
+          </p:cNvSpPr>
+          <p:nvPr>
+            <p:ph idx="1"/>
+          </p:nvPr>
+        </p:nvSpPr>
+        <p:spPr/>
+        <p:txBody>
+          <a:bodyPr/>
+          <a:lstStyle/>
+          <a:p>
+            <a:r>
+              <a:rPr lang="en-US" altLang="zh-CN" dirty="0"/>
+              <a:t>Memory Interleaving</a:t>
+            </a:r>
+          </a:p>
+          <a:p>
+            <a:pPr lvl="1"/>
+            <a:r>
+              <a:rPr lang="en-US" altLang="zh-CN" dirty="0"/>
+              <a:t>Minimize memory fragmentation</a:t>
+            </a:r>
+          </a:p>
+          <a:p>
+            <a:pPr lvl="1"/>
+            <a:r>
+              <a:rPr lang="en-US" altLang="zh-CN" dirty="0"/>
+              <a:t>Keep data locality across security domain</a:t>
+            </a:r>
+          </a:p>
+          <a:p>
+            <a:pPr lvl="1"/>
+            <a:r>
+              <a:rPr lang="en-US" altLang="zh-CN" dirty="0"/>
+              <a:t>Reduce management overhead</a:t>
+            </a:r>
+          </a:p>
+          <a:p>
+            <a:r>
+              <a:rPr lang="en-US" altLang="zh-CN" dirty="0"/>
+              <a:t>Heap Interleaving</a:t>
+            </a:r>
+          </a:p>
+          <a:p>
+            <a:r>
+              <a:rPr lang="en-US" altLang="zh-CN" dirty="0"/>
+              <a:t>Stack Interleaving</a:t>
+            </a:r>
+          </a:p>
+          <a:p>
+            <a:endParaRPr lang="en-US" altLang="zh-CN" dirty="0"/>
+          </a:p>
+          <a:p>
+            <a:pPr lvl="1"/>
+            <a:endParaRPr lang="en-US" altLang="zh-CN" dirty="0"/>
+          </a:p>
+          <a:p>
+            <a:endParaRPr lang="zh-CN" altLang="en-US" dirty="0"/>
+          </a:p>
+        </p:txBody>
+      </p:sp>
+    </p:spTree>
+    <p:extLst>
+      <p:ext uri="{BB962C8B-B14F-4D97-AF65-F5344CB8AC3E}">
+        <p14:creationId xmlns:p14="http://schemas.microsoft.com/office/powerpoint/2010/main" val="2690020930"/>
+      </p:ext>
+    </p:extLst>
+  </p:cSld>
+  <p:clrMapOvr>
+    <a:masterClrMapping/>
+  </p:clrMapOvr>
+</p:sld>
+</file>
+
+<file path=ppt/slides/slide18.xml><?xml version="1.0" encoding="utf-8"?>
+<p:sld xmlns:a="http://schemas.openxmlformats.org/drawingml/2006/main" xmlns:r="http://schemas.openxmlformats.org/officeDocument/2006/relationships" xmlns:p="http://schemas.openxmlformats.org/presentationml/2006/main">
+  <p:cSld>
+    <p:spTree>
+      <p:nvGrpSpPr>
+        <p:cNvPr id="1" name=""/>
+        <p:cNvGrpSpPr/>
+        <p:nvPr/>
+      </p:nvGrpSpPr>
+      <p:grpSpPr>
+        <a:xfrm>
+          <a:off x="0" y="0"/>
+          <a:ext cx="0" cy="0"/>
+          <a:chOff x="0" y="0"/>
+          <a:chExt cx="0" cy="0"/>
+        </a:xfrm>
+      </p:grpSpPr>
+      <p:sp>
+        <p:nvSpPr>
+          <p:cNvPr id="2" name="标题 1">
+            <a:extLst>
+              <a:ext uri="{FF2B5EF4-FFF2-40B4-BE49-F238E27FC236}">
+                <a16:creationId xmlns:a16="http://schemas.microsoft.com/office/drawing/2014/main" id="{C2700E13-442E-4C3B-95E1-FD0416FBCD3C}"/>
+              </a:ext>
+            </a:extLst>
+          </p:cNvPr>
+          <p:cNvSpPr>
+            <a:spLocks noGrp="1"/>
+          </p:cNvSpPr>
+          <p:nvPr>
+            <p:ph type="title"/>
+          </p:nvPr>
+        </p:nvSpPr>
+        <p:spPr/>
+        <p:txBody>
+          <a:bodyPr/>
+          <a:lstStyle/>
+          <a:p>
+            <a:r>
+              <a:rPr lang="en-US" altLang="zh-CN" dirty="0"/>
+              <a:t>Heap Interleaving</a:t>
+            </a:r>
+            <a:endParaRPr lang="zh-CN" altLang="en-US" dirty="0"/>
+          </a:p>
+        </p:txBody>
+      </p:sp>
+      <p:sp>
+        <p:nvSpPr>
+          <p:cNvPr id="3" name="内容占位符 2">
+            <a:extLst>
+              <a:ext uri="{FF2B5EF4-FFF2-40B4-BE49-F238E27FC236}">
+                <a16:creationId xmlns:a16="http://schemas.microsoft.com/office/drawing/2014/main" id="{9E2F768D-8CAE-4D1F-984D-A1C4F21843D1}"/>
+              </a:ext>
+            </a:extLst>
+          </p:cNvPr>
+          <p:cNvSpPr>
+            <a:spLocks noGrp="1"/>
+          </p:cNvSpPr>
+          <p:nvPr>
+            <p:ph idx="1"/>
+          </p:nvPr>
+        </p:nvSpPr>
+        <p:spPr/>
+        <p:txBody>
+          <a:bodyPr/>
+          <a:lstStyle/>
+          <a:p>
+            <a:r>
+              <a:rPr lang="en-US" altLang="zh-CN" dirty="0" err="1"/>
+              <a:t>Alloc</a:t>
+            </a:r>
+            <a:r>
+              <a:rPr lang="en-US" altLang="zh-CN" dirty="0"/>
+              <a:t>:</a:t>
+            </a:r>
+          </a:p>
+          <a:p>
+            <a:pPr lvl="1"/>
+            <a:r>
+              <a:rPr lang="en-US" altLang="zh-CN" dirty="0"/>
+              <a:t>Trusted code ask untrusted code to allocate a chunk of memory on its heap (N-tag)</a:t>
+            </a:r>
+          </a:p>
+          <a:p>
+            <a:pPr lvl="1"/>
+            <a:r>
+              <a:rPr lang="en-US" altLang="zh-CN" dirty="0"/>
+              <a:t>Trusted code claims the allocated memory chunk (N-&gt;TU/TS)</a:t>
+            </a:r>
+          </a:p>
+          <a:p>
+            <a:r>
+              <a:rPr lang="en-US" altLang="zh-CN" dirty="0"/>
+              <a:t>Free:</a:t>
+            </a:r>
+          </a:p>
+          <a:p>
+            <a:pPr lvl="1"/>
+            <a:r>
+              <a:rPr lang="en-US" altLang="zh-CN" dirty="0"/>
+              <a:t>Trusted code simply clears it and reverts its tags and notifies the untrusted code to do the heap cleanup</a:t>
+            </a:r>
+          </a:p>
+          <a:p>
+            <a:r>
+              <a:rPr lang="en-US" altLang="zh-CN" dirty="0"/>
+              <a:t>User: keep a pointer to it inside protected enclave memory</a:t>
+            </a:r>
+          </a:p>
+          <a:p>
+            <a:r>
+              <a:rPr lang="en-US" altLang="zh-CN" dirty="0"/>
+              <a:t>Supervisor: when creating enclave, </a:t>
+            </a:r>
+            <a:r>
+              <a:rPr lang="en-US" altLang="zh-CN" dirty="0" err="1"/>
+              <a:t>os</a:t>
+            </a:r>
+            <a:r>
+              <a:rPr lang="en-US" altLang="zh-CN" dirty="0"/>
+              <a:t> allocates a trusted ECB</a:t>
+            </a:r>
+          </a:p>
+        </p:txBody>
+      </p:sp>
+    </p:spTree>
+    <p:extLst>
+      <p:ext uri="{BB962C8B-B14F-4D97-AF65-F5344CB8AC3E}">
+        <p14:creationId xmlns:p14="http://schemas.microsoft.com/office/powerpoint/2010/main" val="2416769041"/>
+      </p:ext>
+    </p:extLst>
+  </p:cSld>
+  <p:clrMapOvr>
+    <a:masterClrMapping/>
+  </p:clrMapOvr>
+</p:sld>
+</file>
+
+<file path=ppt/slides/slide19.xml><?xml version="1.0" encoding="utf-8"?>
+<p:sld xmlns:a="http://schemas.openxmlformats.org/drawingml/2006/main" xmlns:r="http://schemas.openxmlformats.org/officeDocument/2006/relationships" xmlns:p="http://schemas.openxmlformats.org/presentationml/2006/main">
+  <p:cSld>
+    <p:spTree>
+      <p:nvGrpSpPr>
+        <p:cNvPr id="1" name=""/>
+        <p:cNvGrpSpPr/>
+        <p:nvPr/>
+      </p:nvGrpSpPr>
+      <p:grpSpPr>
+        <a:xfrm>
+          <a:off x="0" y="0"/>
+          <a:ext cx="0" cy="0"/>
+          <a:chOff x="0" y="0"/>
+          <a:chExt cx="0" cy="0"/>
+        </a:xfrm>
+      </p:grpSpPr>
+      <p:sp>
+        <p:nvSpPr>
+          <p:cNvPr id="2" name="标题 1">
+            <a:extLst>
+              <a:ext uri="{FF2B5EF4-FFF2-40B4-BE49-F238E27FC236}">
+                <a16:creationId xmlns:a16="http://schemas.microsoft.com/office/drawing/2014/main" id="{C69D88C9-0B27-447C-8765-944E1E7E9E71}"/>
+              </a:ext>
+            </a:extLst>
+          </p:cNvPr>
+          <p:cNvSpPr>
+            <a:spLocks noGrp="1"/>
+          </p:cNvSpPr>
+          <p:nvPr>
+            <p:ph type="title"/>
+          </p:nvPr>
+        </p:nvSpPr>
+        <p:spPr/>
+        <p:txBody>
+          <a:bodyPr/>
+          <a:lstStyle/>
+          <a:p>
+            <a:r>
+              <a:rPr lang="en-US" altLang="zh-CN" dirty="0"/>
+              <a:t>Stack Interleaving	</a:t>
+            </a:r>
+            <a:endParaRPr lang="zh-CN" altLang="en-US" dirty="0"/>
+          </a:p>
+        </p:txBody>
+      </p:sp>
+      <p:sp>
+        <p:nvSpPr>
+          <p:cNvPr id="3" name="内容占位符 2">
+            <a:extLst>
+              <a:ext uri="{FF2B5EF4-FFF2-40B4-BE49-F238E27FC236}">
+                <a16:creationId xmlns:a16="http://schemas.microsoft.com/office/drawing/2014/main" id="{98CC26BC-ECFE-4340-A24E-0CB10B0D2867}"/>
+              </a:ext>
+            </a:extLst>
+          </p:cNvPr>
+          <p:cNvSpPr>
+            <a:spLocks noGrp="1"/>
+          </p:cNvSpPr>
+          <p:nvPr>
+            <p:ph idx="1"/>
+          </p:nvPr>
+        </p:nvSpPr>
+        <p:spPr/>
+        <p:txBody>
+          <a:bodyPr/>
+          <a:lstStyle/>
+          <a:p>
+            <a:r>
+              <a:rPr lang="en-US" altLang="zh-CN" dirty="0"/>
+              <a:t>Code Transformation</a:t>
+            </a:r>
+          </a:p>
+          <a:p>
+            <a:pPr lvl="1"/>
+            <a:r>
+              <a:rPr lang="en-US" altLang="zh-CN" dirty="0"/>
+              <a:t>Compile source code to assembler code</a:t>
+            </a:r>
+          </a:p>
+          <a:p>
+            <a:pPr lvl="1"/>
+            <a:r>
+              <a:rPr lang="en-US" altLang="zh-CN" dirty="0"/>
+              <a:t>Transform using a custom </a:t>
+            </a:r>
+            <a:r>
+              <a:rPr lang="en-US" altLang="zh-CN" dirty="0" err="1"/>
+              <a:t>awk</a:t>
+            </a:r>
+            <a:r>
+              <a:rPr lang="en-US" altLang="zh-CN" dirty="0"/>
+              <a:t> script</a:t>
+            </a:r>
+          </a:p>
+          <a:p>
+            <a:pPr lvl="1"/>
+            <a:endParaRPr lang="en-US" altLang="zh-CN" dirty="0"/>
+          </a:p>
+        </p:txBody>
+      </p:sp>
+    </p:spTree>
+    <p:extLst>
+      <p:ext uri="{BB962C8B-B14F-4D97-AF65-F5344CB8AC3E}">
+        <p14:creationId xmlns:p14="http://schemas.microsoft.com/office/powerpoint/2010/main" val="1526763336"/>
+      </p:ext>
+    </p:extLst>
+  </p:cSld>
+  <p:clrMapOvr>
+    <a:masterClrMapping/>
+  </p:clrMapOvr>
 </p:sld>
 </file>
 
@@ -6302,6 +6851,281 @@
     <p:extLst>
       <p:ext uri="{BB962C8B-B14F-4D97-AF65-F5344CB8AC3E}">
         <p14:creationId xmlns:p14="http://schemas.microsoft.com/office/powerpoint/2010/main" val="1335850902"/>
+      </p:ext>
+    </p:extLst>
+  </p:cSld>
+  <p:clrMapOvr>
+    <a:masterClrMapping/>
+  </p:clrMapOvr>
+</p:sld>
+</file>
+
+<file path=ppt/slides/slide20.xml><?xml version="1.0" encoding="utf-8"?>
+<p:sld xmlns:a="http://schemas.openxmlformats.org/drawingml/2006/main" xmlns:r="http://schemas.openxmlformats.org/officeDocument/2006/relationships" xmlns:p="http://schemas.openxmlformats.org/presentationml/2006/main">
+  <p:cSld>
+    <p:spTree>
+      <p:nvGrpSpPr>
+        <p:cNvPr id="1" name=""/>
+        <p:cNvGrpSpPr/>
+        <p:nvPr/>
+      </p:nvGrpSpPr>
+      <p:grpSpPr>
+        <a:xfrm>
+          <a:off x="0" y="0"/>
+          <a:ext cx="0" cy="0"/>
+          <a:chOff x="0" y="0"/>
+          <a:chExt cx="0" cy="0"/>
+        </a:xfrm>
+      </p:grpSpPr>
+      <p:sp>
+        <p:nvSpPr>
+          <p:cNvPr id="2" name="标题 1">
+            <a:extLst>
+              <a:ext uri="{FF2B5EF4-FFF2-40B4-BE49-F238E27FC236}">
+                <a16:creationId xmlns:a16="http://schemas.microsoft.com/office/drawing/2014/main" id="{C69D88C9-0B27-447C-8765-944E1E7E9E71}"/>
+              </a:ext>
+            </a:extLst>
+          </p:cNvPr>
+          <p:cNvSpPr>
+            <a:spLocks noGrp="1"/>
+          </p:cNvSpPr>
+          <p:nvPr>
+            <p:ph type="title"/>
+          </p:nvPr>
+        </p:nvSpPr>
+        <p:spPr/>
+        <p:txBody>
+          <a:bodyPr/>
+          <a:lstStyle/>
+          <a:p>
+            <a:r>
+              <a:rPr lang="en-US" altLang="zh-CN" dirty="0"/>
+              <a:t>Stack Interleaving	</a:t>
+            </a:r>
+            <a:endParaRPr lang="zh-CN" altLang="en-US" dirty="0"/>
+          </a:p>
+        </p:txBody>
+      </p:sp>
+      <p:sp>
+        <p:nvSpPr>
+          <p:cNvPr id="3" name="内容占位符 2">
+            <a:extLst>
+              <a:ext uri="{FF2B5EF4-FFF2-40B4-BE49-F238E27FC236}">
+                <a16:creationId xmlns:a16="http://schemas.microsoft.com/office/drawing/2014/main" id="{98CC26BC-ECFE-4340-A24E-0CB10B0D2867}"/>
+              </a:ext>
+            </a:extLst>
+          </p:cNvPr>
+          <p:cNvSpPr>
+            <a:spLocks noGrp="1"/>
+          </p:cNvSpPr>
+          <p:nvPr>
+            <p:ph idx="1"/>
+          </p:nvPr>
+        </p:nvSpPr>
+        <p:spPr/>
+        <p:txBody>
+          <a:bodyPr/>
+          <a:lstStyle/>
+          <a:p>
+            <a:r>
+              <a:rPr lang="en-US" altLang="zh-CN" dirty="0"/>
+              <a:t>Horizontally within supervisor mode</a:t>
+            </a:r>
+          </a:p>
+          <a:p>
+            <a:pPr lvl="1"/>
+            <a:r>
+              <a:rPr lang="en-US" altLang="zh-CN" dirty="0"/>
+              <a:t>N-&gt; </a:t>
+            </a:r>
+            <a:r>
+              <a:rPr lang="en-US" altLang="zh-CN" dirty="0" err="1"/>
+              <a:t>Tsenter</a:t>
+            </a:r>
+            <a:r>
+              <a:rPr lang="en-US" altLang="zh-CN" dirty="0"/>
+              <a:t> -&gt; TS</a:t>
+            </a:r>
+          </a:p>
+          <a:p>
+            <a:r>
+              <a:rPr lang="en-US" altLang="zh-CN" dirty="0"/>
+              <a:t>Horizontally within user mode</a:t>
+            </a:r>
+          </a:p>
+          <a:p>
+            <a:pPr lvl="1"/>
+            <a:r>
+              <a:rPr lang="en-US" altLang="zh-CN" dirty="0"/>
+              <a:t>N -&gt; </a:t>
+            </a:r>
+            <a:r>
+              <a:rPr lang="en-US" altLang="zh-CN" dirty="0" err="1"/>
+              <a:t>Tuenter</a:t>
+            </a:r>
+            <a:r>
+              <a:rPr lang="en-US" altLang="zh-CN" dirty="0"/>
+              <a:t> -&gt; TU</a:t>
+            </a:r>
+          </a:p>
+          <a:p>
+            <a:r>
+              <a:rPr lang="en-US" altLang="zh-CN" dirty="0"/>
+              <a:t>Vertical across </a:t>
+            </a:r>
+            <a:r>
+              <a:rPr lang="en-US" altLang="zh-CN" dirty="0" err="1"/>
+              <a:t>Tsyscalls</a:t>
+            </a:r>
+            <a:endParaRPr lang="en-US" altLang="zh-CN" dirty="0"/>
+          </a:p>
+          <a:p>
+            <a:pPr lvl="1"/>
+            <a:r>
+              <a:rPr lang="en-US" altLang="zh-CN" dirty="0"/>
+              <a:t>TU -&gt; </a:t>
+            </a:r>
+            <a:r>
+              <a:rPr lang="en-US" altLang="zh-CN" dirty="0" err="1"/>
+              <a:t>TSyscall</a:t>
+            </a:r>
+            <a:r>
+              <a:rPr lang="en-US" altLang="zh-CN" dirty="0"/>
+              <a:t> -&gt; TS</a:t>
+            </a:r>
+          </a:p>
+          <a:p>
+            <a:r>
+              <a:rPr lang="en-US" altLang="zh-CN" dirty="0"/>
+              <a:t>Interrupt Handling</a:t>
+            </a:r>
+          </a:p>
+          <a:p>
+            <a:pPr lvl="1"/>
+            <a:r>
+              <a:rPr lang="en-US" altLang="zh-CN" dirty="0"/>
+              <a:t>Unforgeable Header</a:t>
+            </a:r>
+          </a:p>
+        </p:txBody>
+      </p:sp>
+    </p:spTree>
+    <p:extLst>
+      <p:ext uri="{BB962C8B-B14F-4D97-AF65-F5344CB8AC3E}">
+        <p14:creationId xmlns:p14="http://schemas.microsoft.com/office/powerpoint/2010/main" val="1443491139"/>
+      </p:ext>
+    </p:extLst>
+  </p:cSld>
+  <p:clrMapOvr>
+    <a:masterClrMapping/>
+  </p:clrMapOvr>
+</p:sld>
+</file>
+
+<file path=ppt/slides/slide21.xml><?xml version="1.0" encoding="utf-8"?>
+<p:sld xmlns:a="http://schemas.openxmlformats.org/drawingml/2006/main" xmlns:r="http://schemas.openxmlformats.org/officeDocument/2006/relationships" xmlns:p="http://schemas.openxmlformats.org/presentationml/2006/main">
+  <p:cSld>
+    <p:spTree>
+      <p:nvGrpSpPr>
+        <p:cNvPr id="1" name=""/>
+        <p:cNvGrpSpPr/>
+        <p:nvPr/>
+      </p:nvGrpSpPr>
+      <p:grpSpPr>
+        <a:xfrm>
+          <a:off x="0" y="0"/>
+          <a:ext cx="0" cy="0"/>
+          <a:chOff x="0" y="0"/>
+          <a:chExt cx="0" cy="0"/>
+        </a:xfrm>
+      </p:grpSpPr>
+      <p:sp>
+        <p:nvSpPr>
+          <p:cNvPr id="2" name="标题 1">
+            <a:extLst>
+              <a:ext uri="{FF2B5EF4-FFF2-40B4-BE49-F238E27FC236}">
+                <a16:creationId xmlns:a16="http://schemas.microsoft.com/office/drawing/2014/main" id="{A8AC40F3-CFB7-4BED-8671-71E99152436C}"/>
+              </a:ext>
+            </a:extLst>
+          </p:cNvPr>
+          <p:cNvSpPr>
+            <a:spLocks noGrp="1"/>
+          </p:cNvSpPr>
+          <p:nvPr>
+            <p:ph type="title"/>
+          </p:nvPr>
+        </p:nvSpPr>
+        <p:spPr/>
+        <p:txBody>
+          <a:bodyPr/>
+          <a:lstStyle/>
+          <a:p>
+            <a:r>
+              <a:rPr lang="en-US" altLang="zh-CN" dirty="0"/>
+              <a:t>Dynamic Memory Management</a:t>
+            </a:r>
+            <a:endParaRPr lang="zh-CN" altLang="en-US" dirty="0"/>
+          </a:p>
+        </p:txBody>
+      </p:sp>
+      <p:sp>
+        <p:nvSpPr>
+          <p:cNvPr id="3" name="内容占位符 2">
+            <a:extLst>
+              <a:ext uri="{FF2B5EF4-FFF2-40B4-BE49-F238E27FC236}">
+                <a16:creationId xmlns:a16="http://schemas.microsoft.com/office/drawing/2014/main" id="{1C1B693E-5775-4613-9A12-36A94D75DD10}"/>
+              </a:ext>
+            </a:extLst>
+          </p:cNvPr>
+          <p:cNvSpPr>
+            <a:spLocks noGrp="1"/>
+          </p:cNvSpPr>
+          <p:nvPr>
+            <p:ph idx="1"/>
+          </p:nvPr>
+        </p:nvSpPr>
+        <p:spPr/>
+        <p:txBody>
+          <a:bodyPr/>
+          <a:lstStyle/>
+          <a:p>
+            <a:r>
+              <a:rPr lang="en-US" altLang="zh-CN" dirty="0"/>
+              <a:t>Granularity: Word</a:t>
+            </a:r>
+          </a:p>
+          <a:p>
+            <a:r>
+              <a:rPr lang="en-US" altLang="zh-CN" dirty="0"/>
+              <a:t>User &lt;-&gt; Memory Claim/Release by Check Store Instruction</a:t>
+            </a:r>
+          </a:p>
+          <a:p>
+            <a:r>
+              <a:rPr lang="en-US" altLang="zh-CN" dirty="0"/>
+              <a:t>Security Analysis:</a:t>
+            </a:r>
+          </a:p>
+          <a:p>
+            <a:pPr lvl="1"/>
+            <a:r>
+              <a:rPr lang="en-US" altLang="zh-CN" dirty="0"/>
+              <a:t>Validity of the memory when claiming it</a:t>
+            </a:r>
+          </a:p>
+          <a:p>
+            <a:pPr lvl="1"/>
+            <a:r>
+              <a:rPr lang="en-US" altLang="zh-CN" dirty="0"/>
+              <a:t>Validity during usage.</a:t>
+            </a:r>
+          </a:p>
+        </p:txBody>
+      </p:sp>
+    </p:spTree>
+    <p:extLst>
+      <p:ext uri="{BB962C8B-B14F-4D97-AF65-F5344CB8AC3E}">
+        <p14:creationId xmlns:p14="http://schemas.microsoft.com/office/powerpoint/2010/main" val="2534228466"/>
       </p:ext>
     </p:extLst>
   </p:cSld>
